--- a/Nepesseg.pptx
+++ b/Nepesseg.pptx
@@ -142,6 +142,65 @@
     </p:ext>
   </p:extLst>
 </p:presentation>
+</file>
+
+<file path=ppt/changesInfos/changesInfo1.xml><?xml version="1.0" encoding="utf-8"?>
+<pc:chgInfo xmlns:a="http://schemas.openxmlformats.org/drawingml/2006/main" xmlns:r="http://schemas.openxmlformats.org/officeDocument/2006/relationships" xmlns:ac="http://schemas.microsoft.com/office/drawing/2013/main/command" xmlns:pc="http://schemas.microsoft.com/office/powerpoint/2013/main/command">
+  <pc:docChgLst>
+    <pc:chgData name="Zsombor Tóth" userId="1b4355b03eae13c0" providerId="LiveId" clId="{B19CB9A9-A006-4EA4-B09C-ABD3A5D318E9}"/>
+    <pc:docChg chg="custSel modSld">
+      <pc:chgData name="Zsombor Tóth" userId="1b4355b03eae13c0" providerId="LiveId" clId="{B19CB9A9-A006-4EA4-B09C-ABD3A5D318E9}" dt="2024-11-24T20:24:35.439" v="30" actId="573"/>
+      <pc:docMkLst>
+        <pc:docMk/>
+      </pc:docMkLst>
+      <pc:sldChg chg="modSp mod">
+        <pc:chgData name="Zsombor Tóth" userId="1b4355b03eae13c0" providerId="LiveId" clId="{B19CB9A9-A006-4EA4-B09C-ABD3A5D318E9}" dt="2024-11-24T20:00:58.245" v="14" actId="20577"/>
+        <pc:sldMkLst>
+          <pc:docMk/>
+          <pc:sldMk cId="3571516367" sldId="258"/>
+        </pc:sldMkLst>
+        <pc:spChg chg="mod">
+          <ac:chgData name="Zsombor Tóth" userId="1b4355b03eae13c0" providerId="LiveId" clId="{B19CB9A9-A006-4EA4-B09C-ABD3A5D318E9}" dt="2024-11-24T20:00:58.245" v="14" actId="20577"/>
+          <ac:spMkLst>
+            <pc:docMk/>
+            <pc:sldMk cId="3571516367" sldId="258"/>
+            <ac:spMk id="3" creationId="{9D5232F9-FD00-464A-9F17-619C91AEF8F3}"/>
+          </ac:spMkLst>
+        </pc:spChg>
+      </pc:sldChg>
+      <pc:sldChg chg="modSp mod">
+        <pc:chgData name="Zsombor Tóth" userId="1b4355b03eae13c0" providerId="LiveId" clId="{B19CB9A9-A006-4EA4-B09C-ABD3A5D318E9}" dt="2024-11-24T20:02:24.032" v="25" actId="20577"/>
+        <pc:sldMkLst>
+          <pc:docMk/>
+          <pc:sldMk cId="334696707" sldId="280"/>
+        </pc:sldMkLst>
+        <pc:spChg chg="mod">
+          <ac:chgData name="Zsombor Tóth" userId="1b4355b03eae13c0" providerId="LiveId" clId="{B19CB9A9-A006-4EA4-B09C-ABD3A5D318E9}" dt="2024-11-24T20:02:24.032" v="25" actId="20577"/>
+          <ac:spMkLst>
+            <pc:docMk/>
+            <pc:sldMk cId="334696707" sldId="280"/>
+            <ac:spMk id="5" creationId="{DCA15F24-20FB-2F24-80A9-32D2AFB7C67A}"/>
+          </ac:spMkLst>
+        </pc:spChg>
+      </pc:sldChg>
+      <pc:sldChg chg="modSp mod">
+        <pc:chgData name="Zsombor Tóth" userId="1b4355b03eae13c0" providerId="LiveId" clId="{B19CB9A9-A006-4EA4-B09C-ABD3A5D318E9}" dt="2024-11-24T20:24:35.439" v="30" actId="573"/>
+        <pc:sldMkLst>
+          <pc:docMk/>
+          <pc:sldMk cId="2791821786" sldId="285"/>
+        </pc:sldMkLst>
+        <pc:graphicFrameChg chg="mod modGraphic">
+          <ac:chgData name="Zsombor Tóth" userId="1b4355b03eae13c0" providerId="LiveId" clId="{B19CB9A9-A006-4EA4-B09C-ABD3A5D318E9}" dt="2024-11-24T20:24:35.439" v="30" actId="573"/>
+          <ac:graphicFrameMkLst>
+            <pc:docMk/>
+            <pc:sldMk cId="2791821786" sldId="285"/>
+            <ac:graphicFrameMk id="13" creationId="{4A94C7BE-6E60-66F0-EFD4-2F452B0D743A}"/>
+          </ac:graphicFrameMkLst>
+        </pc:graphicFrameChg>
+      </pc:sldChg>
+    </pc:docChg>
+  </pc:docChgLst>
+</pc:chgInfo>
 </file>
 
 <file path=ppt/handoutMasters/handoutMaster1.xml><?xml version="1.0" encoding="utf-8"?>
@@ -11633,7 +11692,7 @@
             <p:ph type="tbl" sz="quarter" idx="14"/>
             <p:extLst>
               <p:ext uri="{D42A27DB-BD31-4B8C-83A1-F6EECF244321}">
-                <p14:modId xmlns:p14="http://schemas.microsoft.com/office/powerpoint/2010/main" val="405906636"/>
+                <p14:modId xmlns:p14="http://schemas.microsoft.com/office/powerpoint/2010/main" val="2321981683"/>
               </p:ext>
             </p:extLst>
           </p:nvPr>
@@ -11884,10 +11943,18 @@
                     <a:p>
                       <a:pPr algn="ctr"/>
                       <a:r>
-                        <a:rPr lang="hu-HU" dirty="0"/>
+                        <a:rPr lang="hu-HU" dirty="0">
+                          <a:solidFill>
+                            <a:srgbClr val="FF0000"/>
+                          </a:solidFill>
+                        </a:rPr>
                         <a:t>1980</a:t>
                       </a:r>
-                      <a:endParaRPr lang="en-US" dirty="0"/>
+                      <a:endParaRPr lang="en-US" dirty="0">
+                        <a:solidFill>
+                          <a:srgbClr val="FF0000"/>
+                        </a:solidFill>
+                      </a:endParaRPr>
                     </a:p>
                   </a:txBody>
                   <a:tcPr anchor="ctr"/>
@@ -11899,7 +11966,11 @@
                     <a:p>
                       <a:pPr algn="ctr"/>
                       <a:r>
-                        <a:rPr lang="hu-HU" dirty="0"/>
+                        <a:rPr lang="hu-HU" dirty="0">
+                          <a:solidFill>
+                            <a:srgbClr val="FF0000"/>
+                          </a:solidFill>
+                        </a:rPr>
                         <a:t>5.1</a:t>
                       </a:r>
                     </a:p>
@@ -11913,10 +11984,18 @@
                     <a:p>
                       <a:pPr algn="ctr"/>
                       <a:r>
-                        <a:rPr lang="hu-HU" dirty="0"/>
+                        <a:rPr lang="hu-HU" dirty="0">
+                          <a:solidFill>
+                            <a:srgbClr val="FF0000"/>
+                          </a:solidFill>
+                        </a:rPr>
                         <a:t>5.5</a:t>
                       </a:r>
-                      <a:endParaRPr lang="en-US" dirty="0"/>
+                      <a:endParaRPr lang="en-US" dirty="0">
+                        <a:solidFill>
+                          <a:srgbClr val="FF0000"/>
+                        </a:solidFill>
+                      </a:endParaRPr>
                     </a:p>
                   </a:txBody>
                   <a:tcPr anchor="ctr"/>
@@ -11928,10 +12007,18 @@
                     <a:p>
                       <a:pPr algn="ctr"/>
                       <a:r>
-                        <a:rPr lang="hu-HU" dirty="0"/>
+                        <a:rPr lang="hu-HU" dirty="0">
+                          <a:solidFill>
+                            <a:srgbClr val="FF0000"/>
+                          </a:solidFill>
+                        </a:rPr>
                         <a:t>10.7</a:t>
                       </a:r>
-                      <a:endParaRPr lang="en-US" dirty="0"/>
+                      <a:endParaRPr lang="en-US" dirty="0">
+                        <a:solidFill>
+                          <a:srgbClr val="FF0000"/>
+                        </a:solidFill>
+                      </a:endParaRPr>
                     </a:p>
                   </a:txBody>
                   <a:tcPr anchor="ctr"/>
@@ -14766,6 +14853,15 @@
             <a:r>
               <a:rPr lang="hu-HU" dirty="0"/>
               <a:t>Bővítéshez új megvalósítás</a:t>
+            </a:r>
+          </a:p>
+          <a:p>
+            <a:pPr lvl="2"/>
+            <a:r>
+              <a:rPr lang="hu-HU" dirty="0">
+                <a:sym typeface="Wingdings" panose="05000000000000000000" pitchFamily="2" charset="2"/>
+              </a:rPr>
+              <a:t> kutatás</a:t>
             </a:r>
             <a:endParaRPr lang="en-US" dirty="0"/>
           </a:p>
@@ -16340,6 +16436,15 @@
 </file>
 
 <file path=customXml/item2.xml><?xml version="1.0" encoding="utf-8"?>
+<?mso-contentType ?>
+<FormTemplates xmlns="http://schemas.microsoft.com/sharepoint/v3/contenttype/forms">
+  <Display>DocumentLibraryForm</Display>
+  <Edit>DocumentLibraryForm</Edit>
+  <New>DocumentLibraryForm</New>
+</FormTemplates>
+</file>
+
+<file path=customXml/item3.xml><?xml version="1.0" encoding="utf-8"?>
 <p:properties xmlns:p="http://schemas.microsoft.com/office/2006/metadata/properties" xmlns:xsi="http://www.w3.org/2001/XMLSchema-instance" xmlns:pc="http://schemas.microsoft.com/office/infopath/2007/PartnerControls">
   <documentManagement>
     <_ip_UnifiedCompliancePolicyUIAction xmlns="http://schemas.microsoft.com/sharepoint/v3" xsi:nil="true"/>
@@ -16357,15 +16462,6 @@
     <MediaServiceKeyPoints xmlns="71af3243-3dd4-4a8d-8c0d-dd76da1f02a5" xsi:nil="true"/>
   </documentManagement>
 </p:properties>
-</file>
-
-<file path=customXml/item3.xml><?xml version="1.0" encoding="utf-8"?>
-<?mso-contentType ?>
-<FormTemplates xmlns="http://schemas.microsoft.com/sharepoint/v3/contenttype/forms">
-  <Display>DocumentLibraryForm</Display>
-  <Edit>DocumentLibraryForm</Edit>
-  <New>DocumentLibraryForm</New>
-</FormTemplates>
 </file>
 
 <file path=customXml/itemProps1.xml><?xml version="1.0" encoding="utf-8"?>
@@ -16390,6 +16486,14 @@
 </file>
 
 <file path=customXml/itemProps2.xml><?xml version="1.0" encoding="utf-8"?>
+<ds:datastoreItem xmlns:ds="http://schemas.openxmlformats.org/officeDocument/2006/customXml" ds:itemID="{CABF691C-888B-4061-8A6F-D5CE84A0254B}">
+  <ds:schemaRefs>
+    <ds:schemaRef ds:uri="http://schemas.microsoft.com/sharepoint/v3/contenttype/forms"/>
+  </ds:schemaRefs>
+</ds:datastoreItem>
+</file>
+
+<file path=customXml/itemProps3.xml><?xml version="1.0" encoding="utf-8"?>
 <ds:datastoreItem xmlns:ds="http://schemas.openxmlformats.org/officeDocument/2006/customXml" ds:itemID="{49168DCE-134F-4610-A6AA-88CEBE8D71D2}">
   <ds:schemaRefs>
     <ds:schemaRef ds:uri="http://schemas.microsoft.com/office/2006/metadata/properties"/>
@@ -16401,14 +16505,6 @@
 </ds:datastoreItem>
 </file>
 
-<file path=customXml/itemProps3.xml><?xml version="1.0" encoding="utf-8"?>
-<ds:datastoreItem xmlns:ds="http://schemas.openxmlformats.org/officeDocument/2006/customXml" ds:itemID="{CABF691C-888B-4061-8A6F-D5CE84A0254B}">
-  <ds:schemaRefs>
-    <ds:schemaRef ds:uri="http://schemas.microsoft.com/sharepoint/v3/contenttype/forms"/>
-  </ds:schemaRefs>
-</ds:datastoreItem>
-</file>
-
 <file path=docMetadata/LabelInfo.xml><?xml version="1.0" encoding="utf-8"?>
 <clbl:labelList xmlns:clbl="http://schemas.microsoft.com/office/2020/mipLabelMetadata"/>
 </file>
--- a/Nepesseg.pptx
+++ b/Nepesseg.pptx
@@ -5,10 +5,10 @@
     <p:sldMasterId id="2147483648" r:id="rId4"/>
   </p:sldMasterIdLst>
   <p:notesMasterIdLst>
-    <p:notesMasterId r:id="rId29"/>
+    <p:notesMasterId r:id="rId31"/>
   </p:notesMasterIdLst>
   <p:handoutMasterIdLst>
-    <p:handoutMasterId r:id="rId30"/>
+    <p:handoutMasterId r:id="rId32"/>
   </p:handoutMasterIdLst>
   <p:sldIdLst>
     <p:sldId id="256" r:id="rId5"/>
@@ -27,14 +27,16 @@
     <p:sldId id="293" r:id="rId18"/>
     <p:sldId id="294" r:id="rId19"/>
     <p:sldId id="281" r:id="rId20"/>
-    <p:sldId id="289" r:id="rId21"/>
-    <p:sldId id="295" r:id="rId22"/>
-    <p:sldId id="285" r:id="rId23"/>
-    <p:sldId id="297" r:id="rId24"/>
-    <p:sldId id="296" r:id="rId25"/>
-    <p:sldId id="298" r:id="rId26"/>
-    <p:sldId id="299" r:id="rId27"/>
-    <p:sldId id="271" r:id="rId28"/>
+    <p:sldId id="300" r:id="rId21"/>
+    <p:sldId id="289" r:id="rId22"/>
+    <p:sldId id="301" r:id="rId23"/>
+    <p:sldId id="295" r:id="rId24"/>
+    <p:sldId id="285" r:id="rId25"/>
+    <p:sldId id="297" r:id="rId26"/>
+    <p:sldId id="296" r:id="rId27"/>
+    <p:sldId id="298" r:id="rId28"/>
+    <p:sldId id="299" r:id="rId29"/>
+    <p:sldId id="271" r:id="rId30"/>
   </p:sldIdLst>
   <p:sldSz cx="12192000" cy="6858000"/>
   <p:notesSz cx="6858000" cy="9144000"/>
@@ -297,7 +299,7 @@
           <a:p>
             <a:fld id="{B56F32FC-4BD9-442A-A8C6-51598C909FE3}" type="datetimeFigureOut">
               <a:rPr lang="en-US" smtClean="0"/>
-              <a:t>11/24/2024</a:t>
+              <a:t>11/29/2024</a:t>
             </a:fld>
             <a:endParaRPr lang="en-US" dirty="0"/>
           </a:p>
@@ -474,7 +476,7 @@
           <a:p>
             <a:fld id="{056371FA-A98D-41E8-93F4-09945841298A}" type="datetimeFigureOut">
               <a:rPr lang="en-US" smtClean="0"/>
-              <a:t>11/24/2024</a:t>
+              <a:t>11/29/2024</a:t>
             </a:fld>
             <a:endParaRPr lang="en-US" dirty="0"/>
           </a:p>
@@ -1541,7 +1543,7 @@
         <p:cNvPr id="1" name="">
           <a:extLst>
             <a:ext uri="{FF2B5EF4-FFF2-40B4-BE49-F238E27FC236}">
-              <a16:creationId xmlns:a16="http://schemas.microsoft.com/office/drawing/2014/main" id="{0DD2B5F8-2B14-570E-95CA-557652B88865}"/>
+              <a16:creationId xmlns:a16="http://schemas.microsoft.com/office/drawing/2014/main" id="{94E015A8-2CE8-2880-B72B-67C1665A585B}"/>
             </a:ext>
           </a:extLst>
         </p:cNvPr>
@@ -1561,7 +1563,7 @@
           <p:cNvPr id="2" name="Slide Image Placeholder 1">
             <a:extLst>
               <a:ext uri="{FF2B5EF4-FFF2-40B4-BE49-F238E27FC236}">
-                <a16:creationId xmlns:a16="http://schemas.microsoft.com/office/drawing/2014/main" id="{A0B4F7B8-AB94-4FFE-EE02-39D03ACC5028}"/>
+                <a16:creationId xmlns:a16="http://schemas.microsoft.com/office/drawing/2014/main" id="{AD39C00F-02EE-BE67-E7E6-06CAE4D9FD50}"/>
               </a:ext>
             </a:extLst>
           </p:cNvPr>
@@ -1579,7 +1581,7 @@
           <p:cNvPr id="3" name="Notes Placeholder 2">
             <a:extLst>
               <a:ext uri="{FF2B5EF4-FFF2-40B4-BE49-F238E27FC236}">
-                <a16:creationId xmlns:a16="http://schemas.microsoft.com/office/drawing/2014/main" id="{A6D7963E-6EC7-C1E6-2560-90E571CD864A}"/>
+                <a16:creationId xmlns:a16="http://schemas.microsoft.com/office/drawing/2014/main" id="{25088209-3318-392D-803C-E050EC0377C0}"/>
               </a:ext>
             </a:extLst>
           </p:cNvPr>
@@ -1604,7 +1606,7 @@
           <p:cNvPr id="4" name="Slide Number Placeholder 3">
             <a:extLst>
               <a:ext uri="{FF2B5EF4-FFF2-40B4-BE49-F238E27FC236}">
-                <a16:creationId xmlns:a16="http://schemas.microsoft.com/office/drawing/2014/main" id="{66FD7D31-932F-99C3-8023-23B99A8F322B}"/>
+                <a16:creationId xmlns:a16="http://schemas.microsoft.com/office/drawing/2014/main" id="{A59A7C50-3BFA-4893-130A-FEA6C1C46DF9}"/>
               </a:ext>
             </a:extLst>
           </p:cNvPr>
@@ -1631,7 +1633,7 @@
     </p:spTree>
     <p:extLst>
       <p:ext uri="{BB962C8B-B14F-4D97-AF65-F5344CB8AC3E}">
-        <p14:creationId xmlns:p14="http://schemas.microsoft.com/office/powerpoint/2010/main" val="4120717892"/>
+        <p14:creationId xmlns:p14="http://schemas.microsoft.com/office/powerpoint/2010/main" val="1482456484"/>
       </p:ext>
     </p:extLst>
   </p:cSld>
@@ -1649,7 +1651,7 @@
         <p:cNvPr id="1" name="">
           <a:extLst>
             <a:ext uri="{FF2B5EF4-FFF2-40B4-BE49-F238E27FC236}">
-              <a16:creationId xmlns:a16="http://schemas.microsoft.com/office/drawing/2014/main" id="{418E2816-E3D8-281C-D50A-C276C18E23E8}"/>
+              <a16:creationId xmlns:a16="http://schemas.microsoft.com/office/drawing/2014/main" id="{0DD2B5F8-2B14-570E-95CA-557652B88865}"/>
             </a:ext>
           </a:extLst>
         </p:cNvPr>
@@ -1669,7 +1671,7 @@
           <p:cNvPr id="2" name="Slide Image Placeholder 1">
             <a:extLst>
               <a:ext uri="{FF2B5EF4-FFF2-40B4-BE49-F238E27FC236}">
-                <a16:creationId xmlns:a16="http://schemas.microsoft.com/office/drawing/2014/main" id="{4DDC4D10-5D4E-B04C-5167-71CB90CF1C13}"/>
+                <a16:creationId xmlns:a16="http://schemas.microsoft.com/office/drawing/2014/main" id="{A0B4F7B8-AB94-4FFE-EE02-39D03ACC5028}"/>
               </a:ext>
             </a:extLst>
           </p:cNvPr>
@@ -1687,7 +1689,7 @@
           <p:cNvPr id="3" name="Notes Placeholder 2">
             <a:extLst>
               <a:ext uri="{FF2B5EF4-FFF2-40B4-BE49-F238E27FC236}">
-                <a16:creationId xmlns:a16="http://schemas.microsoft.com/office/drawing/2014/main" id="{EB6824B2-0EA4-475A-9C47-DB89A83AE890}"/>
+                <a16:creationId xmlns:a16="http://schemas.microsoft.com/office/drawing/2014/main" id="{A6D7963E-6EC7-C1E6-2560-90E571CD864A}"/>
               </a:ext>
             </a:extLst>
           </p:cNvPr>
@@ -1712,7 +1714,7 @@
           <p:cNvPr id="4" name="Slide Number Placeholder 3">
             <a:extLst>
               <a:ext uri="{FF2B5EF4-FFF2-40B4-BE49-F238E27FC236}">
-                <a16:creationId xmlns:a16="http://schemas.microsoft.com/office/drawing/2014/main" id="{09402E9A-9C58-1A7B-6EEE-6A099FEB7BEF}"/>
+                <a16:creationId xmlns:a16="http://schemas.microsoft.com/office/drawing/2014/main" id="{66FD7D31-932F-99C3-8023-23B99A8F322B}"/>
               </a:ext>
             </a:extLst>
           </p:cNvPr>
@@ -1739,7 +1741,7 @@
     </p:spTree>
     <p:extLst>
       <p:ext uri="{BB962C8B-B14F-4D97-AF65-F5344CB8AC3E}">
-        <p14:creationId xmlns:p14="http://schemas.microsoft.com/office/powerpoint/2010/main" val="366860589"/>
+        <p14:creationId xmlns:p14="http://schemas.microsoft.com/office/powerpoint/2010/main" val="4120717892"/>
       </p:ext>
     </p:extLst>
   </p:cSld>
@@ -1754,7 +1756,13 @@
   <p:cSld>
     <p:spTree>
       <p:nvGrpSpPr>
-        <p:cNvPr id="1" name=""/>
+        <p:cNvPr id="1" name="">
+          <a:extLst>
+            <a:ext uri="{FF2B5EF4-FFF2-40B4-BE49-F238E27FC236}">
+              <a16:creationId xmlns:a16="http://schemas.microsoft.com/office/drawing/2014/main" id="{FF58EB39-A3F6-6130-3F30-CC6277DD934A}"/>
+            </a:ext>
+          </a:extLst>
+        </p:cNvPr>
         <p:cNvGrpSpPr/>
         <p:nvPr/>
       </p:nvGrpSpPr>
@@ -1768,7 +1776,13 @@
       </p:grpSpPr>
       <p:sp>
         <p:nvSpPr>
-          <p:cNvPr id="2" name="Slide Image Placeholder 1"/>
+          <p:cNvPr id="2" name="Slide Image Placeholder 1">
+            <a:extLst>
+              <a:ext uri="{FF2B5EF4-FFF2-40B4-BE49-F238E27FC236}">
+                <a16:creationId xmlns:a16="http://schemas.microsoft.com/office/drawing/2014/main" id="{AD57123D-13C3-4733-711B-59F76F8484AB}"/>
+              </a:ext>
+            </a:extLst>
+          </p:cNvPr>
           <p:cNvSpPr>
             <a:spLocks noGrp="1" noRot="1" noChangeAspect="1"/>
           </p:cNvSpPr>
@@ -1780,7 +1794,13 @@
       </p:sp>
       <p:sp>
         <p:nvSpPr>
-          <p:cNvPr id="3" name="Notes Placeholder 2"/>
+          <p:cNvPr id="3" name="Notes Placeholder 2">
+            <a:extLst>
+              <a:ext uri="{FF2B5EF4-FFF2-40B4-BE49-F238E27FC236}">
+                <a16:creationId xmlns:a16="http://schemas.microsoft.com/office/drawing/2014/main" id="{F9389DB6-6827-F372-B017-D00C70FE0FA7}"/>
+              </a:ext>
+            </a:extLst>
+          </p:cNvPr>
           <p:cNvSpPr>
             <a:spLocks noGrp="1"/>
           </p:cNvSpPr>
@@ -1799,7 +1819,13 @@
       </p:sp>
       <p:sp>
         <p:nvSpPr>
-          <p:cNvPr id="4" name="Slide Number Placeholder 3"/>
+          <p:cNvPr id="4" name="Slide Number Placeholder 3">
+            <a:extLst>
+              <a:ext uri="{FF2B5EF4-FFF2-40B4-BE49-F238E27FC236}">
+                <a16:creationId xmlns:a16="http://schemas.microsoft.com/office/drawing/2014/main" id="{F43DB37A-B6BB-2470-9DD7-98819AA2EA70}"/>
+              </a:ext>
+            </a:extLst>
+          </p:cNvPr>
           <p:cNvSpPr>
             <a:spLocks noGrp="1"/>
           </p:cNvSpPr>
@@ -1823,7 +1849,7 @@
     </p:spTree>
     <p:extLst>
       <p:ext uri="{BB962C8B-B14F-4D97-AF65-F5344CB8AC3E}">
-        <p14:creationId xmlns:p14="http://schemas.microsoft.com/office/powerpoint/2010/main" val="537756"/>
+        <p14:creationId xmlns:p14="http://schemas.microsoft.com/office/powerpoint/2010/main" val="242161694"/>
       </p:ext>
     </p:extLst>
   </p:cSld>
@@ -1925,6 +1951,198 @@
         <p:cNvPr id="1" name="">
           <a:extLst>
             <a:ext uri="{FF2B5EF4-FFF2-40B4-BE49-F238E27FC236}">
+              <a16:creationId xmlns:a16="http://schemas.microsoft.com/office/drawing/2014/main" id="{418E2816-E3D8-281C-D50A-C276C18E23E8}"/>
+            </a:ext>
+          </a:extLst>
+        </p:cNvPr>
+        <p:cNvGrpSpPr/>
+        <p:nvPr/>
+      </p:nvGrpSpPr>
+      <p:grpSpPr>
+        <a:xfrm>
+          <a:off x="0" y="0"/>
+          <a:ext cx="0" cy="0"/>
+          <a:chOff x="0" y="0"/>
+          <a:chExt cx="0" cy="0"/>
+        </a:xfrm>
+      </p:grpSpPr>
+      <p:sp>
+        <p:nvSpPr>
+          <p:cNvPr id="2" name="Slide Image Placeholder 1">
+            <a:extLst>
+              <a:ext uri="{FF2B5EF4-FFF2-40B4-BE49-F238E27FC236}">
+                <a16:creationId xmlns:a16="http://schemas.microsoft.com/office/drawing/2014/main" id="{4DDC4D10-5D4E-B04C-5167-71CB90CF1C13}"/>
+              </a:ext>
+            </a:extLst>
+          </p:cNvPr>
+          <p:cNvSpPr>
+            <a:spLocks noGrp="1" noRot="1" noChangeAspect="1"/>
+          </p:cNvSpPr>
+          <p:nvPr>
+            <p:ph type="sldImg"/>
+          </p:nvPr>
+        </p:nvSpPr>
+        <p:spPr/>
+      </p:sp>
+      <p:sp>
+        <p:nvSpPr>
+          <p:cNvPr id="3" name="Notes Placeholder 2">
+            <a:extLst>
+              <a:ext uri="{FF2B5EF4-FFF2-40B4-BE49-F238E27FC236}">
+                <a16:creationId xmlns:a16="http://schemas.microsoft.com/office/drawing/2014/main" id="{EB6824B2-0EA4-475A-9C47-DB89A83AE890}"/>
+              </a:ext>
+            </a:extLst>
+          </p:cNvPr>
+          <p:cNvSpPr>
+            <a:spLocks noGrp="1"/>
+          </p:cNvSpPr>
+          <p:nvPr>
+            <p:ph type="body" idx="1"/>
+          </p:nvPr>
+        </p:nvSpPr>
+        <p:spPr/>
+        <p:txBody>
+          <a:bodyPr/>
+          <a:lstStyle/>
+          <a:p>
+            <a:endParaRPr lang="en-US" dirty="0"/>
+          </a:p>
+        </p:txBody>
+      </p:sp>
+      <p:sp>
+        <p:nvSpPr>
+          <p:cNvPr id="4" name="Slide Number Placeholder 3">
+            <a:extLst>
+              <a:ext uri="{FF2B5EF4-FFF2-40B4-BE49-F238E27FC236}">
+                <a16:creationId xmlns:a16="http://schemas.microsoft.com/office/drawing/2014/main" id="{09402E9A-9C58-1A7B-6EEE-6A099FEB7BEF}"/>
+              </a:ext>
+            </a:extLst>
+          </p:cNvPr>
+          <p:cNvSpPr>
+            <a:spLocks noGrp="1"/>
+          </p:cNvSpPr>
+          <p:nvPr>
+            <p:ph type="sldNum" sz="quarter" idx="5"/>
+          </p:nvPr>
+        </p:nvSpPr>
+        <p:spPr/>
+        <p:txBody>
+          <a:bodyPr/>
+          <a:lstStyle/>
+          <a:p>
+            <a:fld id="{22289C57-55D7-40A4-A101-E74FAC7A092B}" type="slidenum">
+              <a:rPr lang="en-US" smtClean="0"/>
+              <a:t>20</a:t>
+            </a:fld>
+            <a:endParaRPr lang="en-US" dirty="0"/>
+          </a:p>
+        </p:txBody>
+      </p:sp>
+    </p:spTree>
+    <p:extLst>
+      <p:ext uri="{BB962C8B-B14F-4D97-AF65-F5344CB8AC3E}">
+        <p14:creationId xmlns:p14="http://schemas.microsoft.com/office/powerpoint/2010/main" val="366860589"/>
+      </p:ext>
+    </p:extLst>
+  </p:cSld>
+  <p:clrMapOvr>
+    <a:masterClrMapping/>
+  </p:clrMapOvr>
+</p:notes>
+</file>
+
+<file path=ppt/notesSlides/notesSlide21.xml><?xml version="1.0" encoding="utf-8"?>
+<p:notes xmlns:a="http://schemas.openxmlformats.org/drawingml/2006/main" xmlns:r="http://schemas.openxmlformats.org/officeDocument/2006/relationships" xmlns:p="http://schemas.openxmlformats.org/presentationml/2006/main">
+  <p:cSld>
+    <p:spTree>
+      <p:nvGrpSpPr>
+        <p:cNvPr id="1" name=""/>
+        <p:cNvGrpSpPr/>
+        <p:nvPr/>
+      </p:nvGrpSpPr>
+      <p:grpSpPr>
+        <a:xfrm>
+          <a:off x="0" y="0"/>
+          <a:ext cx="0" cy="0"/>
+          <a:chOff x="0" y="0"/>
+          <a:chExt cx="0" cy="0"/>
+        </a:xfrm>
+      </p:grpSpPr>
+      <p:sp>
+        <p:nvSpPr>
+          <p:cNvPr id="2" name="Slide Image Placeholder 1"/>
+          <p:cNvSpPr>
+            <a:spLocks noGrp="1" noRot="1" noChangeAspect="1"/>
+          </p:cNvSpPr>
+          <p:nvPr>
+            <p:ph type="sldImg"/>
+          </p:nvPr>
+        </p:nvSpPr>
+        <p:spPr/>
+      </p:sp>
+      <p:sp>
+        <p:nvSpPr>
+          <p:cNvPr id="3" name="Notes Placeholder 2"/>
+          <p:cNvSpPr>
+            <a:spLocks noGrp="1"/>
+          </p:cNvSpPr>
+          <p:nvPr>
+            <p:ph type="body" idx="1"/>
+          </p:nvPr>
+        </p:nvSpPr>
+        <p:spPr/>
+        <p:txBody>
+          <a:bodyPr/>
+          <a:lstStyle/>
+          <a:p>
+            <a:endParaRPr lang="en-US" dirty="0"/>
+          </a:p>
+        </p:txBody>
+      </p:sp>
+      <p:sp>
+        <p:nvSpPr>
+          <p:cNvPr id="4" name="Slide Number Placeholder 3"/>
+          <p:cNvSpPr>
+            <a:spLocks noGrp="1"/>
+          </p:cNvSpPr>
+          <p:nvPr>
+            <p:ph type="sldNum" sz="quarter" idx="5"/>
+          </p:nvPr>
+        </p:nvSpPr>
+        <p:spPr/>
+        <p:txBody>
+          <a:bodyPr/>
+          <a:lstStyle/>
+          <a:p>
+            <a:fld id="{22289C57-55D7-40A4-A101-E74FAC7A092B}" type="slidenum">
+              <a:rPr lang="en-US" smtClean="0"/>
+              <a:t>21</a:t>
+            </a:fld>
+            <a:endParaRPr lang="en-US" dirty="0"/>
+          </a:p>
+        </p:txBody>
+      </p:sp>
+    </p:spTree>
+    <p:extLst>
+      <p:ext uri="{BB962C8B-B14F-4D97-AF65-F5344CB8AC3E}">
+        <p14:creationId xmlns:p14="http://schemas.microsoft.com/office/powerpoint/2010/main" val="537756"/>
+      </p:ext>
+    </p:extLst>
+  </p:cSld>
+  <p:clrMapOvr>
+    <a:masterClrMapping/>
+  </p:clrMapOvr>
+</p:notes>
+</file>
+
+<file path=ppt/notesSlides/notesSlide22.xml><?xml version="1.0" encoding="utf-8"?>
+<p:notes xmlns:a="http://schemas.openxmlformats.org/drawingml/2006/main" xmlns:r="http://schemas.openxmlformats.org/officeDocument/2006/relationships" xmlns:p="http://schemas.openxmlformats.org/presentationml/2006/main">
+  <p:cSld>
+    <p:spTree>
+      <p:nvGrpSpPr>
+        <p:cNvPr id="1" name="">
+          <a:extLst>
+            <a:ext uri="{FF2B5EF4-FFF2-40B4-BE49-F238E27FC236}">
               <a16:creationId xmlns:a16="http://schemas.microsoft.com/office/drawing/2014/main" id="{77D5562A-8B61-508A-4042-B319AE140F76}"/>
             </a:ext>
           </a:extLst>
@@ -2006,7 +2224,7 @@
           <a:p>
             <a:fld id="{22289C57-55D7-40A4-A101-E74FAC7A092B}" type="slidenum">
               <a:rPr lang="en-US" smtClean="0"/>
-              <a:t>20</a:t>
+              <a:t>22</a:t>
             </a:fld>
             <a:endParaRPr lang="en-US" dirty="0"/>
           </a:p>
@@ -2025,7 +2243,7 @@
 </p:notes>
 </file>
 
-<file path=ppt/notesSlides/notesSlide21.xml><?xml version="1.0" encoding="utf-8"?>
+<file path=ppt/notesSlides/notesSlide23.xml><?xml version="1.0" encoding="utf-8"?>
 <p:notes xmlns:a="http://schemas.openxmlformats.org/drawingml/2006/main" xmlns:r="http://schemas.openxmlformats.org/officeDocument/2006/relationships" xmlns:p="http://schemas.openxmlformats.org/presentationml/2006/main">
   <p:cSld>
     <p:spTree>
@@ -2114,7 +2332,7 @@
           <a:p>
             <a:fld id="{22289C57-55D7-40A4-A101-E74FAC7A092B}" type="slidenum">
               <a:rPr lang="en-US" smtClean="0"/>
-              <a:t>21</a:t>
+              <a:t>23</a:t>
             </a:fld>
             <a:endParaRPr lang="en-US" dirty="0"/>
           </a:p>
@@ -2133,7 +2351,7 @@
 </p:notes>
 </file>
 
-<file path=ppt/notesSlides/notesSlide22.xml><?xml version="1.0" encoding="utf-8"?>
+<file path=ppt/notesSlides/notesSlide24.xml><?xml version="1.0" encoding="utf-8"?>
 <p:notes xmlns:a="http://schemas.openxmlformats.org/drawingml/2006/main" xmlns:r="http://schemas.openxmlformats.org/officeDocument/2006/relationships" xmlns:p="http://schemas.openxmlformats.org/presentationml/2006/main">
   <p:cSld>
     <p:spTree>
@@ -2222,7 +2440,7 @@
           <a:p>
             <a:fld id="{22289C57-55D7-40A4-A101-E74FAC7A092B}" type="slidenum">
               <a:rPr lang="en-US" smtClean="0"/>
-              <a:t>22</a:t>
+              <a:t>24</a:t>
             </a:fld>
             <a:endParaRPr lang="en-US" dirty="0"/>
           </a:p>
@@ -2241,7 +2459,7 @@
 </p:notes>
 </file>
 
-<file path=ppt/notesSlides/notesSlide23.xml><?xml version="1.0" encoding="utf-8"?>
+<file path=ppt/notesSlides/notesSlide25.xml><?xml version="1.0" encoding="utf-8"?>
 <p:notes xmlns:a="http://schemas.openxmlformats.org/drawingml/2006/main" xmlns:r="http://schemas.openxmlformats.org/officeDocument/2006/relationships" xmlns:p="http://schemas.openxmlformats.org/presentationml/2006/main">
   <p:cSld>
     <p:spTree>
@@ -2330,7 +2548,7 @@
           <a:p>
             <a:fld id="{22289C57-55D7-40A4-A101-E74FAC7A092B}" type="slidenum">
               <a:rPr lang="en-US" smtClean="0"/>
-              <a:t>23</a:t>
+              <a:t>25</a:t>
             </a:fld>
             <a:endParaRPr lang="en-US" dirty="0"/>
           </a:p>
@@ -2349,7 +2567,7 @@
 </p:notes>
 </file>
 
-<file path=ppt/notesSlides/notesSlide24.xml><?xml version="1.0" encoding="utf-8"?>
+<file path=ppt/notesSlides/notesSlide26.xml><?xml version="1.0" encoding="utf-8"?>
 <p:notes xmlns:a="http://schemas.openxmlformats.org/drawingml/2006/main" xmlns:r="http://schemas.openxmlformats.org/officeDocument/2006/relationships" xmlns:p="http://schemas.openxmlformats.org/presentationml/2006/main">
   <p:cSld>
     <p:spTree>
@@ -2414,7 +2632,7 @@
           <a:p>
             <a:fld id="{22289C57-55D7-40A4-A101-E74FAC7A092B}" type="slidenum">
               <a:rPr lang="en-US" smtClean="0"/>
-              <a:t>24</a:t>
+              <a:t>26</a:t>
             </a:fld>
             <a:endParaRPr lang="en-US" dirty="0"/>
           </a:p>
@@ -8633,13 +8851,13 @@
           <a:p>
             <a:r>
               <a:rPr lang="hu-HU" dirty="0"/>
-              <a:t>Népesség függvény</a:t>
+              <a:t>Népesség és Átlagéletkor függvény</a:t>
             </a:r>
           </a:p>
           <a:p>
             <a:r>
               <a:rPr lang="hu-HU" dirty="0"/>
-              <a:t>Átlagéletkor függvény</a:t>
+              <a:t>Diagram1 és Diagram2 függvény</a:t>
             </a:r>
           </a:p>
           <a:p>
@@ -9432,7 +9650,7 @@
           <a:p>
             <a:r>
               <a:rPr lang="hu-HU" dirty="0"/>
-              <a:t>Népesség függvény</a:t>
+              <a:t>Népesség és Átlagéletkor függvény</a:t>
             </a:r>
             <a:endParaRPr lang="en-US" dirty="0"/>
           </a:p>
@@ -10128,7 +10346,7 @@
           <a:p>
             <a:r>
               <a:rPr lang="hu-HU" dirty="0"/>
-              <a:t>Átlagéletkor függvény</a:t>
+              <a:t>Diagram1 és Diagram2 függvény</a:t>
             </a:r>
             <a:endParaRPr lang="en-US" dirty="0"/>
           </a:p>
@@ -10187,8 +10405,8 @@
         </p:nvSpPr>
         <p:spPr bwMode="auto">
           <a:xfrm>
-            <a:off x="1341119" y="1397675"/>
-            <a:ext cx="9953309" cy="2031325"/>
+            <a:off x="1341119" y="1674674"/>
+            <a:ext cx="9953309" cy="1477328"/>
           </a:xfrm>
           <a:prstGeom prst="rect">
             <a:avLst/>
@@ -10253,19 +10471,16 @@
             </a:pPr>
             <a:r>
               <a:rPr lang="hu-HU" dirty="0"/>
-              <a:t>Megjeleníti az átlagéletkor változását nemek szerint</a:t>
-            </a:r>
-            <a:r>
-              <a:rPr kumimoji="0" lang="hu-HU" altLang="hu-HU" strike="noStrike" cap="none" normalizeH="0" baseline="0" dirty="0">
-                <a:ln>
-                  <a:noFill/>
-                </a:ln>
-                <a:solidFill>
-                  <a:schemeClr val="tx1"/>
-                </a:solidFill>
-              </a:rPr>
-              <a:t>, előrejelzésekkel.</a:t>
-            </a:r>
+              <a:t>Megjeleníti az adott évre a statisztikai adatokat</a:t>
+            </a:r>
+            <a:endParaRPr kumimoji="0" lang="hu-HU" altLang="hu-HU" strike="noStrike" cap="none" normalizeH="0" baseline="0" dirty="0">
+              <a:ln>
+                <a:noFill/>
+              </a:ln>
+              <a:solidFill>
+                <a:schemeClr val="tx1"/>
+              </a:solidFill>
+            </a:endParaRPr>
           </a:p>
           <a:p>
             <a:pPr marL="0" marR="0" lvl="0" indent="0" algn="l" defTabSz="914400" rtl="0" eaLnBrk="0" fontAlgn="base" latinLnBrk="0" hangingPunct="0">
@@ -10369,6 +10584,17 @@
               <a:tabLst/>
             </a:pPr>
             <a:r>
+              <a:rPr kumimoji="0" lang="hu-HU" altLang="hu-HU" b="1" strike="noStrike" cap="none" normalizeH="0" baseline="0" dirty="0">
+                <a:ln>
+                  <a:noFill/>
+                </a:ln>
+                <a:solidFill>
+                  <a:schemeClr val="tx1"/>
+                </a:solidFill>
+              </a:rPr>
+              <a:t>Diagram1</a:t>
+            </a:r>
+            <a:r>
               <a:rPr kumimoji="0" lang="hu-HU" altLang="hu-HU" strike="noStrike" cap="none" normalizeH="0" baseline="0" dirty="0">
                 <a:ln>
                   <a:noFill/>
@@ -10377,10 +10603,10 @@
                   <a:schemeClr val="tx1"/>
                 </a:solidFill>
               </a:rPr>
-              <a:t>Hasonlóan működik, mint a </a:t>
-            </a:r>
-            <a:r>
-              <a:rPr kumimoji="0" lang="hu-HU" altLang="hu-HU" strike="noStrike" cap="none" normalizeH="0" baseline="0" dirty="0" err="1">
+              <a:t> a férfiak és nők arányát, </a:t>
+            </a:r>
+            <a:r>
+              <a:rPr kumimoji="0" lang="hu-HU" altLang="hu-HU" b="1" strike="noStrike" cap="none" normalizeH="0" baseline="0" dirty="0">
                 <a:ln>
                   <a:noFill/>
                 </a:ln>
@@ -10388,7 +10614,7 @@
                   <a:schemeClr val="tx1"/>
                 </a:solidFill>
               </a:rPr>
-              <a:t>Nepesseg</a:t>
+              <a:t>Diagram2</a:t>
             </a:r>
             <a:r>
               <a:rPr kumimoji="0" lang="hu-HU" altLang="hu-HU" strike="noStrike" cap="none" normalizeH="0" baseline="0" dirty="0">
@@ -10399,58 +10625,7 @@
                   <a:schemeClr val="tx1"/>
                 </a:solidFill>
               </a:rPr>
-              <a:t> függvény, de az átlagéletkor adatait használja.</a:t>
-            </a:r>
-          </a:p>
-          <a:p>
-            <a:pPr marL="285750" marR="0" lvl="0" indent="-285750" algn="l" defTabSz="914400" rtl="0" eaLnBrk="0" fontAlgn="base" latinLnBrk="0" hangingPunct="0">
-              <a:lnSpc>
-                <a:spcPct val="100000"/>
-              </a:lnSpc>
-              <a:spcBef>
-                <a:spcPct val="0"/>
-              </a:spcBef>
-              <a:spcAft>
-                <a:spcPct val="0"/>
-              </a:spcAft>
-              <a:buClrTx/>
-              <a:buSzTx/>
-              <a:buFont typeface="Arial" panose="020B0604020202020204" pitchFamily="34" charset="0"/>
-              <a:buChar char="•"/>
-              <a:tabLst/>
-            </a:pPr>
-            <a:r>
-              <a:rPr kumimoji="0" lang="hu-HU" altLang="hu-HU" strike="noStrike" cap="none" normalizeH="0" baseline="0" dirty="0">
-                <a:ln>
-                  <a:noFill/>
-                </a:ln>
-                <a:solidFill>
-                  <a:schemeClr val="tx1"/>
-                </a:solidFill>
-              </a:rPr>
-              <a:t>Az átlagéletkort ábrázolja pontdiagramon, majd regresszióval </a:t>
-            </a:r>
-            <a:r>
-              <a:rPr kumimoji="0" lang="hu-HU" altLang="hu-HU" strike="noStrike" cap="none" normalizeH="0" baseline="0" dirty="0" err="1">
-                <a:ln>
-                  <a:noFill/>
-                </a:ln>
-                <a:solidFill>
-                  <a:schemeClr val="tx1"/>
-                </a:solidFill>
-              </a:rPr>
-              <a:t>előrejelzi</a:t>
-            </a:r>
-            <a:r>
-              <a:rPr kumimoji="0" lang="hu-HU" altLang="hu-HU" strike="noStrike" cap="none" normalizeH="0" baseline="0" dirty="0">
-                <a:ln>
-                  <a:noFill/>
-                </a:ln>
-                <a:solidFill>
-                  <a:schemeClr val="tx1"/>
-                </a:solidFill>
-              </a:rPr>
-              <a:t> a jövőbeli értékeket.</a:t>
+              <a:t> pedig átlag életkorukat mutatja.</a:t>
             </a:r>
           </a:p>
         </p:txBody>
@@ -10852,7 +11027,7 @@
               <a:t> kimenete) egy </a:t>
             </a:r>
             <a:r>
-              <a:rPr kumimoji="0" lang="hu-HU" altLang="hu-HU" strike="noStrike" cap="none" normalizeH="0" baseline="0" dirty="0" err="1">
+              <a:rPr kumimoji="0" lang="hu-HU" altLang="hu-HU" b="1" strike="noStrike" cap="none" normalizeH="0" baseline="0" dirty="0" err="1">
                 <a:ln>
                   <a:noFill/>
                 </a:ln>
@@ -11427,6 +11602,142 @@
         <p:cNvPr id="1" name="">
           <a:extLst>
             <a:ext uri="{FF2B5EF4-FFF2-40B4-BE49-F238E27FC236}">
+              <a16:creationId xmlns:a16="http://schemas.microsoft.com/office/drawing/2014/main" id="{371E00F5-F14D-9177-45C7-082686EEA442}"/>
+            </a:ext>
+          </a:extLst>
+        </p:cNvPr>
+        <p:cNvGrpSpPr/>
+        <p:nvPr/>
+      </p:nvGrpSpPr>
+      <p:grpSpPr>
+        <a:xfrm>
+          <a:off x="0" y="0"/>
+          <a:ext cx="0" cy="0"/>
+          <a:chOff x="0" y="0"/>
+          <a:chExt cx="0" cy="0"/>
+        </a:xfrm>
+      </p:grpSpPr>
+      <p:sp>
+        <p:nvSpPr>
+          <p:cNvPr id="2" name="Title 1">
+            <a:extLst>
+              <a:ext uri="{FF2B5EF4-FFF2-40B4-BE49-F238E27FC236}">
+                <a16:creationId xmlns:a16="http://schemas.microsoft.com/office/drawing/2014/main" id="{B10E1334-0384-5442-3F37-6F852CF62F86}"/>
+              </a:ext>
+            </a:extLst>
+          </p:cNvPr>
+          <p:cNvSpPr>
+            <a:spLocks noGrp="1"/>
+          </p:cNvSpPr>
+          <p:nvPr>
+            <p:ph type="title"/>
+          </p:nvPr>
+        </p:nvSpPr>
+        <p:spPr>
+          <a:xfrm>
+            <a:off x="2933700" y="568961"/>
+            <a:ext cx="8420100" cy="464499"/>
+          </a:xfrm>
+        </p:spPr>
+        <p:txBody>
+          <a:bodyPr>
+            <a:normAutofit fontScale="90000"/>
+          </a:bodyPr>
+          <a:lstStyle/>
+          <a:p>
+            <a:r>
+              <a:rPr lang="hu-HU" dirty="0"/>
+              <a:t>Népesség száma 2024-ben</a:t>
+            </a:r>
+            <a:endParaRPr lang="en-US" dirty="0"/>
+          </a:p>
+        </p:txBody>
+      </p:sp>
+      <p:sp>
+        <p:nvSpPr>
+          <p:cNvPr id="8" name="Slide Number Placeholder 7">
+            <a:extLst>
+              <a:ext uri="{FF2B5EF4-FFF2-40B4-BE49-F238E27FC236}">
+                <a16:creationId xmlns:a16="http://schemas.microsoft.com/office/drawing/2014/main" id="{11684CB7-4C9D-54B7-58D3-F64532BBC016}"/>
+              </a:ext>
+            </a:extLst>
+          </p:cNvPr>
+          <p:cNvSpPr>
+            <a:spLocks noGrp="1"/>
+          </p:cNvSpPr>
+          <p:nvPr>
+            <p:ph type="sldNum" sz="quarter" idx="12"/>
+          </p:nvPr>
+        </p:nvSpPr>
+        <p:spPr>
+          <a:xfrm>
+            <a:off x="10373350" y="6356349"/>
+            <a:ext cx="987552" cy="365125"/>
+          </a:xfrm>
+        </p:spPr>
+        <p:txBody>
+          <a:bodyPr/>
+          <a:lstStyle/>
+          <a:p>
+            <a:fld id="{A49DFD55-3C28-40EF-9E31-A92D2E4017FF}" type="slidenum">
+              <a:rPr lang="en-US" smtClean="0"/>
+              <a:pPr/>
+              <a:t>17</a:t>
+            </a:fld>
+            <a:endParaRPr lang="en-US" dirty="0"/>
+          </a:p>
+        </p:txBody>
+      </p:sp>
+      <p:pic>
+        <p:nvPicPr>
+          <p:cNvPr id="6" name="Tartalom helye 5">
+            <a:extLst>
+              <a:ext uri="{FF2B5EF4-FFF2-40B4-BE49-F238E27FC236}">
+                <a16:creationId xmlns:a16="http://schemas.microsoft.com/office/drawing/2014/main" id="{163C8D01-7C97-6FB1-6333-9BDC2EEA3C4C}"/>
+              </a:ext>
+            </a:extLst>
+          </p:cNvPr>
+          <p:cNvPicPr>
+            <a:picLocks noGrp="1" noChangeAspect="1"/>
+          </p:cNvPicPr>
+          <p:nvPr>
+            <p:ph sz="half" idx="13"/>
+          </p:nvPr>
+        </p:nvPicPr>
+        <p:blipFill>
+          <a:blip r:embed="rId3"/>
+          <a:stretch>
+            <a:fillRect/>
+          </a:stretch>
+        </p:blipFill>
+        <p:spPr>
+          <a:xfrm>
+            <a:off x="2933700" y="1473200"/>
+            <a:ext cx="8429828" cy="4432358"/>
+          </a:xfrm>
+        </p:spPr>
+      </p:pic>
+    </p:spTree>
+    <p:extLst>
+      <p:ext uri="{BB962C8B-B14F-4D97-AF65-F5344CB8AC3E}">
+        <p14:creationId xmlns:p14="http://schemas.microsoft.com/office/powerpoint/2010/main" val="2714665667"/>
+      </p:ext>
+    </p:extLst>
+  </p:cSld>
+  <p:clrMapOvr>
+    <a:masterClrMapping/>
+  </p:clrMapOvr>
+</p:sld>
+</file>
+
+<file path=ppt/slides/slide18.xml><?xml version="1.0" encoding="utf-8"?>
+<p:sld xmlns:a="http://schemas.openxmlformats.org/drawingml/2006/main" xmlns:r="http://schemas.openxmlformats.org/officeDocument/2006/relationships" xmlns:p="http://schemas.openxmlformats.org/presentationml/2006/main">
+  <p:cSld>
+    <p:spTree>
+      <p:nvGrpSpPr>
+        <p:cNvPr id="1" name="">
+          <a:extLst>
+            <a:ext uri="{FF2B5EF4-FFF2-40B4-BE49-F238E27FC236}">
               <a16:creationId xmlns:a16="http://schemas.microsoft.com/office/drawing/2014/main" id="{290EACC0-5F51-FC31-E6C5-02C319E021E5}"/>
             </a:ext>
           </a:extLst>
@@ -11507,7 +11818,7 @@
             <a:fld id="{A49DFD55-3C28-40EF-9E31-A92D2E4017FF}" type="slidenum">
               <a:rPr lang="en-US" smtClean="0"/>
               <a:pPr/>
-              <a:t>17</a:t>
+              <a:t>18</a:t>
             </a:fld>
             <a:endParaRPr lang="en-US" dirty="0"/>
           </a:p>
@@ -11555,7 +11866,324 @@
 </p:sld>
 </file>
 
-<file path=ppt/slides/slide18.xml><?xml version="1.0" encoding="utf-8"?>
+<file path=ppt/slides/slide19.xml><?xml version="1.0" encoding="utf-8"?>
+<p:sld xmlns:a="http://schemas.openxmlformats.org/drawingml/2006/main" xmlns:r="http://schemas.openxmlformats.org/officeDocument/2006/relationships" xmlns:p="http://schemas.openxmlformats.org/presentationml/2006/main">
+  <p:cSld>
+    <p:spTree>
+      <p:nvGrpSpPr>
+        <p:cNvPr id="1" name="">
+          <a:extLst>
+            <a:ext uri="{FF2B5EF4-FFF2-40B4-BE49-F238E27FC236}">
+              <a16:creationId xmlns:a16="http://schemas.microsoft.com/office/drawing/2014/main" id="{D3EC01CF-563C-AFD8-54FC-22EB3D779513}"/>
+            </a:ext>
+          </a:extLst>
+        </p:cNvPr>
+        <p:cNvGrpSpPr/>
+        <p:nvPr/>
+      </p:nvGrpSpPr>
+      <p:grpSpPr>
+        <a:xfrm>
+          <a:off x="0" y="0"/>
+          <a:ext cx="0" cy="0"/>
+          <a:chOff x="0" y="0"/>
+          <a:chExt cx="0" cy="0"/>
+        </a:xfrm>
+      </p:grpSpPr>
+      <p:sp>
+        <p:nvSpPr>
+          <p:cNvPr id="2" name="Title 1">
+            <a:extLst>
+              <a:ext uri="{FF2B5EF4-FFF2-40B4-BE49-F238E27FC236}">
+                <a16:creationId xmlns:a16="http://schemas.microsoft.com/office/drawing/2014/main" id="{DCB4FA8B-4AAA-1173-DB8A-87058CCF5388}"/>
+              </a:ext>
+            </a:extLst>
+          </p:cNvPr>
+          <p:cNvSpPr>
+            <a:spLocks noGrp="1"/>
+          </p:cNvSpPr>
+          <p:nvPr>
+            <p:ph type="title"/>
+          </p:nvPr>
+        </p:nvSpPr>
+        <p:spPr>
+          <a:xfrm>
+            <a:off x="2933700" y="568961"/>
+            <a:ext cx="8420100" cy="464499"/>
+          </a:xfrm>
+        </p:spPr>
+        <p:txBody>
+          <a:bodyPr>
+            <a:normAutofit fontScale="90000"/>
+          </a:bodyPr>
+          <a:lstStyle/>
+          <a:p>
+            <a:r>
+              <a:rPr lang="hu-HU" dirty="0"/>
+              <a:t>Átlag életkor 2024-ben</a:t>
+            </a:r>
+            <a:endParaRPr lang="en-US" dirty="0"/>
+          </a:p>
+        </p:txBody>
+      </p:sp>
+      <p:sp>
+        <p:nvSpPr>
+          <p:cNvPr id="8" name="Slide Number Placeholder 7">
+            <a:extLst>
+              <a:ext uri="{FF2B5EF4-FFF2-40B4-BE49-F238E27FC236}">
+                <a16:creationId xmlns:a16="http://schemas.microsoft.com/office/drawing/2014/main" id="{446734A8-ECAB-A9E3-01AA-311E7DD4FF3D}"/>
+              </a:ext>
+            </a:extLst>
+          </p:cNvPr>
+          <p:cNvSpPr>
+            <a:spLocks noGrp="1"/>
+          </p:cNvSpPr>
+          <p:nvPr>
+            <p:ph type="sldNum" sz="quarter" idx="12"/>
+          </p:nvPr>
+        </p:nvSpPr>
+        <p:spPr>
+          <a:xfrm>
+            <a:off x="10373350" y="6356349"/>
+            <a:ext cx="987552" cy="365125"/>
+          </a:xfrm>
+        </p:spPr>
+        <p:txBody>
+          <a:bodyPr/>
+          <a:lstStyle/>
+          <a:p>
+            <a:fld id="{A49DFD55-3C28-40EF-9E31-A92D2E4017FF}" type="slidenum">
+              <a:rPr lang="en-US" smtClean="0"/>
+              <a:pPr/>
+              <a:t>19</a:t>
+            </a:fld>
+            <a:endParaRPr lang="en-US" dirty="0"/>
+          </a:p>
+        </p:txBody>
+      </p:sp>
+      <p:pic>
+        <p:nvPicPr>
+          <p:cNvPr id="6" name="Tartalom helye 5">
+            <a:extLst>
+              <a:ext uri="{FF2B5EF4-FFF2-40B4-BE49-F238E27FC236}">
+                <a16:creationId xmlns:a16="http://schemas.microsoft.com/office/drawing/2014/main" id="{F0EE47D9-5DB6-AFC0-EFBD-B6AB91AB429D}"/>
+              </a:ext>
+            </a:extLst>
+          </p:cNvPr>
+          <p:cNvPicPr>
+            <a:picLocks noGrp="1" noChangeAspect="1"/>
+          </p:cNvPicPr>
+          <p:nvPr>
+            <p:ph sz="half" idx="13"/>
+          </p:nvPr>
+        </p:nvPicPr>
+        <p:blipFill>
+          <a:blip r:embed="rId3"/>
+          <a:stretch>
+            <a:fillRect/>
+          </a:stretch>
+        </p:blipFill>
+        <p:spPr>
+          <a:xfrm>
+            <a:off x="2933700" y="1473200"/>
+            <a:ext cx="8429828" cy="4432358"/>
+          </a:xfrm>
+        </p:spPr>
+      </p:pic>
+    </p:spTree>
+    <p:extLst>
+      <p:ext uri="{BB962C8B-B14F-4D97-AF65-F5344CB8AC3E}">
+        <p14:creationId xmlns:p14="http://schemas.microsoft.com/office/powerpoint/2010/main" val="4043641457"/>
+      </p:ext>
+    </p:extLst>
+  </p:cSld>
+  <p:clrMapOvr>
+    <a:masterClrMapping/>
+  </p:clrMapOvr>
+</p:sld>
+</file>
+
+<file path=ppt/slides/slide2.xml><?xml version="1.0" encoding="utf-8"?>
+<p:sld xmlns:a="http://schemas.openxmlformats.org/drawingml/2006/main" xmlns:r="http://schemas.openxmlformats.org/officeDocument/2006/relationships" xmlns:p="http://schemas.openxmlformats.org/presentationml/2006/main">
+  <p:cSld>
+    <p:spTree>
+      <p:nvGrpSpPr>
+        <p:cNvPr id="1" name=""/>
+        <p:cNvGrpSpPr/>
+        <p:nvPr/>
+      </p:nvGrpSpPr>
+      <p:grpSpPr>
+        <a:xfrm>
+          <a:off x="0" y="0"/>
+          <a:ext cx="0" cy="0"/>
+          <a:chOff x="0" y="0"/>
+          <a:chExt cx="0" cy="0"/>
+        </a:xfrm>
+      </p:grpSpPr>
+      <p:sp>
+        <p:nvSpPr>
+          <p:cNvPr id="2" name="Title 1">
+            <a:extLst>
+              <a:ext uri="{FF2B5EF4-FFF2-40B4-BE49-F238E27FC236}">
+                <a16:creationId xmlns:a16="http://schemas.microsoft.com/office/drawing/2014/main" id="{1BEF5859-10C9-4588-9727-B9362E26C29D}"/>
+              </a:ext>
+            </a:extLst>
+          </p:cNvPr>
+          <p:cNvSpPr>
+            <a:spLocks noGrp="1"/>
+          </p:cNvSpPr>
+          <p:nvPr>
+            <p:ph type="title"/>
+          </p:nvPr>
+        </p:nvSpPr>
+        <p:spPr>
+          <a:xfrm>
+            <a:off x="1333500" y="1020445"/>
+            <a:ext cx="2895600" cy="1325563"/>
+          </a:xfrm>
+        </p:spPr>
+        <p:txBody>
+          <a:bodyPr/>
+          <a:lstStyle/>
+          <a:p>
+            <a:r>
+              <a:rPr lang="hu-HU" dirty="0"/>
+              <a:t>Tartalom</a:t>
+            </a:r>
+            <a:endParaRPr lang="en-US" dirty="0"/>
+          </a:p>
+        </p:txBody>
+      </p:sp>
+      <p:sp>
+        <p:nvSpPr>
+          <p:cNvPr id="3" name="Content Placeholder 2">
+            <a:extLst>
+              <a:ext uri="{FF2B5EF4-FFF2-40B4-BE49-F238E27FC236}">
+                <a16:creationId xmlns:a16="http://schemas.microsoft.com/office/drawing/2014/main" id="{5671D7E5-EF66-4BCD-8DAA-E9061157F0BE}"/>
+              </a:ext>
+            </a:extLst>
+          </p:cNvPr>
+          <p:cNvSpPr>
+            <a:spLocks noGrp="1"/>
+          </p:cNvSpPr>
+          <p:nvPr>
+            <p:ph idx="1"/>
+          </p:nvPr>
+        </p:nvSpPr>
+        <p:spPr>
+          <a:xfrm>
+            <a:off x="1333500" y="2674013"/>
+            <a:ext cx="2895600" cy="3269589"/>
+          </a:xfrm>
+        </p:spPr>
+        <p:txBody>
+          <a:bodyPr>
+            <a:normAutofit/>
+          </a:bodyPr>
+          <a:lstStyle/>
+          <a:p>
+            <a:pPr marL="285750" indent="-285750">
+              <a:buFont typeface="Arial" panose="020B0604020202020204" pitchFamily="34" charset="0"/>
+              <a:buChar char="•"/>
+            </a:pPr>
+            <a:r>
+              <a:rPr lang="hu-HU" dirty="0"/>
+              <a:t>Tervezés</a:t>
+            </a:r>
+          </a:p>
+          <a:p>
+            <a:pPr marL="285750" indent="-285750">
+              <a:buFont typeface="Arial" panose="020B0604020202020204" pitchFamily="34" charset="0"/>
+              <a:buChar char="•"/>
+            </a:pPr>
+            <a:r>
+              <a:rPr lang="hu-HU" dirty="0"/>
+              <a:t>Megvalósítás</a:t>
+            </a:r>
+          </a:p>
+          <a:p>
+            <a:pPr marL="285750" indent="-285750">
+              <a:buFont typeface="Arial" panose="020B0604020202020204" pitchFamily="34" charset="0"/>
+              <a:buChar char="•"/>
+            </a:pPr>
+            <a:r>
+              <a:rPr lang="hu-HU" dirty="0"/>
+              <a:t>Nehézségek</a:t>
+            </a:r>
+            <a:endParaRPr lang="en-US" dirty="0"/>
+          </a:p>
+          <a:p>
+            <a:pPr marL="285750" indent="-285750">
+              <a:buFont typeface="Arial" panose="020B0604020202020204" pitchFamily="34" charset="0"/>
+              <a:buChar char="•"/>
+            </a:pPr>
+            <a:r>
+              <a:rPr lang="hu-HU" dirty="0"/>
+              <a:t>Program működése</a:t>
+            </a:r>
+            <a:endParaRPr lang="en-US" dirty="0"/>
+          </a:p>
+          <a:p>
+            <a:pPr marL="285750" indent="-285750">
+              <a:buFont typeface="Arial" panose="020B0604020202020204" pitchFamily="34" charset="0"/>
+              <a:buChar char="•"/>
+            </a:pPr>
+            <a:r>
+              <a:rPr lang="hu-HU" dirty="0"/>
+              <a:t>Adatelemzés</a:t>
+            </a:r>
+            <a:endParaRPr lang="en-US" dirty="0"/>
+          </a:p>
+        </p:txBody>
+      </p:sp>
+      <p:sp>
+        <p:nvSpPr>
+          <p:cNvPr id="5" name="Slide Number Placeholder 5">
+            <a:extLst>
+              <a:ext uri="{FF2B5EF4-FFF2-40B4-BE49-F238E27FC236}">
+                <a16:creationId xmlns:a16="http://schemas.microsoft.com/office/drawing/2014/main" id="{B02A8827-B1A1-2D2F-D6DD-E886B886C43E}"/>
+              </a:ext>
+            </a:extLst>
+          </p:cNvPr>
+          <p:cNvSpPr>
+            <a:spLocks noGrp="1"/>
+          </p:cNvSpPr>
+          <p:nvPr>
+            <p:ph type="sldNum" sz="quarter" idx="12"/>
+          </p:nvPr>
+        </p:nvSpPr>
+        <p:spPr>
+          <a:xfrm>
+            <a:off x="10373350" y="6356349"/>
+            <a:ext cx="987552" cy="365125"/>
+          </a:xfrm>
+        </p:spPr>
+        <p:txBody>
+          <a:bodyPr/>
+          <a:lstStyle/>
+          <a:p>
+            <a:fld id="{A49DFD55-3C28-40EF-9E31-A92D2E4017FF}" type="slidenum">
+              <a:rPr lang="en-US" smtClean="0"/>
+              <a:pPr/>
+              <a:t>2</a:t>
+            </a:fld>
+            <a:endParaRPr lang="en-US" dirty="0"/>
+          </a:p>
+        </p:txBody>
+      </p:sp>
+    </p:spTree>
+    <p:extLst>
+      <p:ext uri="{BB962C8B-B14F-4D97-AF65-F5344CB8AC3E}">
+        <p14:creationId xmlns:p14="http://schemas.microsoft.com/office/powerpoint/2010/main" val="1713219598"/>
+      </p:ext>
+    </p:extLst>
+  </p:cSld>
+  <p:clrMapOvr>
+    <a:masterClrMapping/>
+  </p:clrMapOvr>
+</p:sld>
+</file>
+
+<file path=ppt/slides/slide20.xml><?xml version="1.0" encoding="utf-8"?>
 <p:sld xmlns:a="http://schemas.openxmlformats.org/drawingml/2006/main" xmlns:r="http://schemas.openxmlformats.org/officeDocument/2006/relationships" xmlns:p="http://schemas.openxmlformats.org/presentationml/2006/main">
   <p:cSld>
     <p:spTree>
@@ -11625,7 +12253,7 @@
 </p:sld>
 </file>
 
-<file path=ppt/slides/slide19.xml><?xml version="1.0" encoding="utf-8"?>
+<file path=ppt/slides/slide21.xml><?xml version="1.0" encoding="utf-8"?>
 <p:sld xmlns:a="http://schemas.openxmlformats.org/drawingml/2006/main" xmlns:r="http://schemas.openxmlformats.org/officeDocument/2006/relationships" xmlns:p="http://schemas.openxmlformats.org/presentationml/2006/main">
   <p:cSld>
     <p:spTree>
@@ -12258,7 +12886,7 @@
             <a:fld id="{A49DFD55-3C28-40EF-9E31-A92D2E4017FF}" type="slidenum">
               <a:rPr lang="en-US" smtClean="0"/>
               <a:pPr/>
-              <a:t>19</a:t>
+              <a:t>21</a:t>
             </a:fld>
             <a:endParaRPr lang="en-US" dirty="0"/>
           </a:p>
@@ -12277,188 +12905,7 @@
 </p:sld>
 </file>
 
-<file path=ppt/slides/slide2.xml><?xml version="1.0" encoding="utf-8"?>
-<p:sld xmlns:a="http://schemas.openxmlformats.org/drawingml/2006/main" xmlns:r="http://schemas.openxmlformats.org/officeDocument/2006/relationships" xmlns:p="http://schemas.openxmlformats.org/presentationml/2006/main">
-  <p:cSld>
-    <p:spTree>
-      <p:nvGrpSpPr>
-        <p:cNvPr id="1" name=""/>
-        <p:cNvGrpSpPr/>
-        <p:nvPr/>
-      </p:nvGrpSpPr>
-      <p:grpSpPr>
-        <a:xfrm>
-          <a:off x="0" y="0"/>
-          <a:ext cx="0" cy="0"/>
-          <a:chOff x="0" y="0"/>
-          <a:chExt cx="0" cy="0"/>
-        </a:xfrm>
-      </p:grpSpPr>
-      <p:sp>
-        <p:nvSpPr>
-          <p:cNvPr id="2" name="Title 1">
-            <a:extLst>
-              <a:ext uri="{FF2B5EF4-FFF2-40B4-BE49-F238E27FC236}">
-                <a16:creationId xmlns:a16="http://schemas.microsoft.com/office/drawing/2014/main" id="{1BEF5859-10C9-4588-9727-B9362E26C29D}"/>
-              </a:ext>
-            </a:extLst>
-          </p:cNvPr>
-          <p:cNvSpPr>
-            <a:spLocks noGrp="1"/>
-          </p:cNvSpPr>
-          <p:nvPr>
-            <p:ph type="title"/>
-          </p:nvPr>
-        </p:nvSpPr>
-        <p:spPr>
-          <a:xfrm>
-            <a:off x="1333500" y="1020445"/>
-            <a:ext cx="2895600" cy="1325563"/>
-          </a:xfrm>
-        </p:spPr>
-        <p:txBody>
-          <a:bodyPr/>
-          <a:lstStyle/>
-          <a:p>
-            <a:r>
-              <a:rPr lang="hu-HU" dirty="0"/>
-              <a:t>Tartalom</a:t>
-            </a:r>
-            <a:endParaRPr lang="en-US" dirty="0"/>
-          </a:p>
-        </p:txBody>
-      </p:sp>
-      <p:sp>
-        <p:nvSpPr>
-          <p:cNvPr id="3" name="Content Placeholder 2">
-            <a:extLst>
-              <a:ext uri="{FF2B5EF4-FFF2-40B4-BE49-F238E27FC236}">
-                <a16:creationId xmlns:a16="http://schemas.microsoft.com/office/drawing/2014/main" id="{5671D7E5-EF66-4BCD-8DAA-E9061157F0BE}"/>
-              </a:ext>
-            </a:extLst>
-          </p:cNvPr>
-          <p:cNvSpPr>
-            <a:spLocks noGrp="1"/>
-          </p:cNvSpPr>
-          <p:nvPr>
-            <p:ph idx="1"/>
-          </p:nvPr>
-        </p:nvSpPr>
-        <p:spPr>
-          <a:xfrm>
-            <a:off x="1333500" y="2674013"/>
-            <a:ext cx="2895600" cy="3269589"/>
-          </a:xfrm>
-        </p:spPr>
-        <p:txBody>
-          <a:bodyPr>
-            <a:normAutofit/>
-          </a:bodyPr>
-          <a:lstStyle/>
-          <a:p>
-            <a:pPr marL="285750" indent="-285750">
-              <a:buFont typeface="Arial" panose="020B0604020202020204" pitchFamily="34" charset="0"/>
-              <a:buChar char="•"/>
-            </a:pPr>
-            <a:r>
-              <a:rPr lang="hu-HU" dirty="0"/>
-              <a:t>Tervezés</a:t>
-            </a:r>
-          </a:p>
-          <a:p>
-            <a:pPr marL="285750" indent="-285750">
-              <a:buFont typeface="Arial" panose="020B0604020202020204" pitchFamily="34" charset="0"/>
-              <a:buChar char="•"/>
-            </a:pPr>
-            <a:r>
-              <a:rPr lang="hu-HU" dirty="0"/>
-              <a:t>Megvalósítás</a:t>
-            </a:r>
-          </a:p>
-          <a:p>
-            <a:pPr marL="285750" indent="-285750">
-              <a:buFont typeface="Arial" panose="020B0604020202020204" pitchFamily="34" charset="0"/>
-              <a:buChar char="•"/>
-            </a:pPr>
-            <a:r>
-              <a:rPr lang="hu-HU" dirty="0"/>
-              <a:t>Nehézségek</a:t>
-            </a:r>
-            <a:endParaRPr lang="en-US" dirty="0"/>
-          </a:p>
-          <a:p>
-            <a:pPr marL="285750" indent="-285750">
-              <a:buFont typeface="Arial" panose="020B0604020202020204" pitchFamily="34" charset="0"/>
-              <a:buChar char="•"/>
-            </a:pPr>
-            <a:r>
-              <a:rPr lang="hu-HU" dirty="0"/>
-              <a:t>Program működése</a:t>
-            </a:r>
-            <a:endParaRPr lang="en-US" dirty="0"/>
-          </a:p>
-          <a:p>
-            <a:pPr marL="285750" indent="-285750">
-              <a:buFont typeface="Arial" panose="020B0604020202020204" pitchFamily="34" charset="0"/>
-              <a:buChar char="•"/>
-            </a:pPr>
-            <a:r>
-              <a:rPr lang="hu-HU" dirty="0"/>
-              <a:t>Adatelemzés</a:t>
-            </a:r>
-            <a:endParaRPr lang="en-US" dirty="0"/>
-          </a:p>
-        </p:txBody>
-      </p:sp>
-      <p:sp>
-        <p:nvSpPr>
-          <p:cNvPr id="5" name="Slide Number Placeholder 5">
-            <a:extLst>
-              <a:ext uri="{FF2B5EF4-FFF2-40B4-BE49-F238E27FC236}">
-                <a16:creationId xmlns:a16="http://schemas.microsoft.com/office/drawing/2014/main" id="{B02A8827-B1A1-2D2F-D6DD-E886B886C43E}"/>
-              </a:ext>
-            </a:extLst>
-          </p:cNvPr>
-          <p:cNvSpPr>
-            <a:spLocks noGrp="1"/>
-          </p:cNvSpPr>
-          <p:nvPr>
-            <p:ph type="sldNum" sz="quarter" idx="12"/>
-          </p:nvPr>
-        </p:nvSpPr>
-        <p:spPr>
-          <a:xfrm>
-            <a:off x="10373350" y="6356349"/>
-            <a:ext cx="987552" cy="365125"/>
-          </a:xfrm>
-        </p:spPr>
-        <p:txBody>
-          <a:bodyPr/>
-          <a:lstStyle/>
-          <a:p>
-            <a:fld id="{A49DFD55-3C28-40EF-9E31-A92D2E4017FF}" type="slidenum">
-              <a:rPr lang="en-US" smtClean="0"/>
-              <a:pPr/>
-              <a:t>2</a:t>
-            </a:fld>
-            <a:endParaRPr lang="en-US" dirty="0"/>
-          </a:p>
-        </p:txBody>
-      </p:sp>
-    </p:spTree>
-    <p:extLst>
-      <p:ext uri="{BB962C8B-B14F-4D97-AF65-F5344CB8AC3E}">
-        <p14:creationId xmlns:p14="http://schemas.microsoft.com/office/powerpoint/2010/main" val="1713219598"/>
-      </p:ext>
-    </p:extLst>
-  </p:cSld>
-  <p:clrMapOvr>
-    <a:masterClrMapping/>
-  </p:clrMapOvr>
-</p:sld>
-</file>
-
-<file path=ppt/slides/slide20.xml><?xml version="1.0" encoding="utf-8"?>
+<file path=ppt/slides/slide22.xml><?xml version="1.0" encoding="utf-8"?>
 <p:sld xmlns:a="http://schemas.openxmlformats.org/drawingml/2006/main" xmlns:r="http://schemas.openxmlformats.org/officeDocument/2006/relationships" xmlns:p="http://schemas.openxmlformats.org/presentationml/2006/main">
   <p:cSld>
     <p:spTree>
@@ -12546,7 +12993,7 @@
             <a:fld id="{A49DFD55-3C28-40EF-9E31-A92D2E4017FF}" type="slidenum">
               <a:rPr lang="en-US" smtClean="0"/>
               <a:pPr/>
-              <a:t>20</a:t>
+              <a:t>22</a:t>
             </a:fld>
             <a:endParaRPr lang="en-US" dirty="0"/>
           </a:p>
@@ -12744,7 +13191,7 @@
 </p:sld>
 </file>
 
-<file path=ppt/slides/slide21.xml><?xml version="1.0" encoding="utf-8"?>
+<file path=ppt/slides/slide23.xml><?xml version="1.0" encoding="utf-8"?>
 <p:sld xmlns:a="http://schemas.openxmlformats.org/drawingml/2006/main" xmlns:r="http://schemas.openxmlformats.org/officeDocument/2006/relationships" xmlns:p="http://schemas.openxmlformats.org/presentationml/2006/main">
   <p:cSld>
     <p:spTree>
@@ -13355,7 +13802,7 @@
             <a:fld id="{A49DFD55-3C28-40EF-9E31-A92D2E4017FF}" type="slidenum">
               <a:rPr lang="en-US" smtClean="0"/>
               <a:pPr/>
-              <a:t>21</a:t>
+              <a:t>23</a:t>
             </a:fld>
             <a:endParaRPr lang="en-US" dirty="0"/>
           </a:p>
@@ -13374,7 +13821,7 @@
 </p:sld>
 </file>
 
-<file path=ppt/slides/slide22.xml><?xml version="1.0" encoding="utf-8"?>
+<file path=ppt/slides/slide24.xml><?xml version="1.0" encoding="utf-8"?>
 <p:sld xmlns:a="http://schemas.openxmlformats.org/drawingml/2006/main" xmlns:r="http://schemas.openxmlformats.org/officeDocument/2006/relationships" xmlns:p="http://schemas.openxmlformats.org/presentationml/2006/main">
   <p:cSld>
     <p:spTree>
@@ -13462,7 +13909,7 @@
             <a:fld id="{A49DFD55-3C28-40EF-9E31-A92D2E4017FF}" type="slidenum">
               <a:rPr lang="en-US" smtClean="0"/>
               <a:pPr/>
-              <a:t>22</a:t>
+              <a:t>24</a:t>
             </a:fld>
             <a:endParaRPr lang="en-US" dirty="0"/>
           </a:p>
@@ -13645,7 +14092,7 @@
 </p:sld>
 </file>
 
-<file path=ppt/slides/slide23.xml><?xml version="1.0" encoding="utf-8"?>
+<file path=ppt/slides/slide25.xml><?xml version="1.0" encoding="utf-8"?>
 <p:sld xmlns:a="http://schemas.openxmlformats.org/drawingml/2006/main" xmlns:r="http://schemas.openxmlformats.org/officeDocument/2006/relationships" xmlns:p="http://schemas.openxmlformats.org/presentationml/2006/main">
   <p:cSld>
     <p:spTree>
@@ -13733,7 +14180,7 @@
             <a:fld id="{A49DFD55-3C28-40EF-9E31-A92D2E4017FF}" type="slidenum">
               <a:rPr lang="en-US" smtClean="0"/>
               <a:pPr/>
-              <a:t>23</a:t>
+              <a:t>25</a:t>
             </a:fld>
             <a:endParaRPr lang="en-US" dirty="0"/>
           </a:p>
@@ -13900,7 +14347,7 @@
 </p:sld>
 </file>
 
-<file path=ppt/slides/slide24.xml><?xml version="1.0" encoding="utf-8"?>
+<file path=ppt/slides/slide26.xml><?xml version="1.0" encoding="utf-8"?>
 <p:sld xmlns:a="http://schemas.openxmlformats.org/drawingml/2006/main" xmlns:r="http://schemas.openxmlformats.org/officeDocument/2006/relationships" xmlns:p="http://schemas.openxmlformats.org/presentationml/2006/main">
   <p:cSld>
     <p:spTree>
@@ -14003,7 +14450,7 @@
             <a:fld id="{A49DFD55-3C28-40EF-9E31-A92D2E4017FF}" type="slidenum">
               <a:rPr lang="en-US" smtClean="0"/>
               <a:pPr/>
-              <a:t>24</a:t>
+              <a:t>26</a:t>
             </a:fld>
             <a:endParaRPr lang="en-US" dirty="0"/>
           </a:p>
@@ -16436,15 +16883,6 @@
 </file>
 
 <file path=customXml/item2.xml><?xml version="1.0" encoding="utf-8"?>
-<?mso-contentType ?>
-<FormTemplates xmlns="http://schemas.microsoft.com/sharepoint/v3/contenttype/forms">
-  <Display>DocumentLibraryForm</Display>
-  <Edit>DocumentLibraryForm</Edit>
-  <New>DocumentLibraryForm</New>
-</FormTemplates>
-</file>
-
-<file path=customXml/item3.xml><?xml version="1.0" encoding="utf-8"?>
 <p:properties xmlns:p="http://schemas.microsoft.com/office/2006/metadata/properties" xmlns:xsi="http://www.w3.org/2001/XMLSchema-instance" xmlns:pc="http://schemas.microsoft.com/office/infopath/2007/PartnerControls">
   <documentManagement>
     <_ip_UnifiedCompliancePolicyUIAction xmlns="http://schemas.microsoft.com/sharepoint/v3" xsi:nil="true"/>
@@ -16462,6 +16900,15 @@
     <MediaServiceKeyPoints xmlns="71af3243-3dd4-4a8d-8c0d-dd76da1f02a5" xsi:nil="true"/>
   </documentManagement>
 </p:properties>
+</file>
+
+<file path=customXml/item3.xml><?xml version="1.0" encoding="utf-8"?>
+<?mso-contentType ?>
+<FormTemplates xmlns="http://schemas.microsoft.com/sharepoint/v3/contenttype/forms">
+  <Display>DocumentLibraryForm</Display>
+  <Edit>DocumentLibraryForm</Edit>
+  <New>DocumentLibraryForm</New>
+</FormTemplates>
 </file>
 
 <file path=customXml/itemProps1.xml><?xml version="1.0" encoding="utf-8"?>
@@ -16486,14 +16933,6 @@
 </file>
 
 <file path=customXml/itemProps2.xml><?xml version="1.0" encoding="utf-8"?>
-<ds:datastoreItem xmlns:ds="http://schemas.openxmlformats.org/officeDocument/2006/customXml" ds:itemID="{CABF691C-888B-4061-8A6F-D5CE84A0254B}">
-  <ds:schemaRefs>
-    <ds:schemaRef ds:uri="http://schemas.microsoft.com/sharepoint/v3/contenttype/forms"/>
-  </ds:schemaRefs>
-</ds:datastoreItem>
-</file>
-
-<file path=customXml/itemProps3.xml><?xml version="1.0" encoding="utf-8"?>
 <ds:datastoreItem xmlns:ds="http://schemas.openxmlformats.org/officeDocument/2006/customXml" ds:itemID="{49168DCE-134F-4610-A6AA-88CEBE8D71D2}">
   <ds:schemaRefs>
     <ds:schemaRef ds:uri="http://schemas.microsoft.com/office/2006/metadata/properties"/>
@@ -16505,6 +16944,14 @@
 </ds:datastoreItem>
 </file>
 
+<file path=customXml/itemProps3.xml><?xml version="1.0" encoding="utf-8"?>
+<ds:datastoreItem xmlns:ds="http://schemas.openxmlformats.org/officeDocument/2006/customXml" ds:itemID="{CABF691C-888B-4061-8A6F-D5CE84A0254B}">
+  <ds:schemaRefs>
+    <ds:schemaRef ds:uri="http://schemas.microsoft.com/sharepoint/v3/contenttype/forms"/>
+  </ds:schemaRefs>
+</ds:datastoreItem>
+</file>
+
 <file path=docMetadata/LabelInfo.xml><?xml version="1.0" encoding="utf-8"?>
 <clbl:labelList xmlns:clbl="http://schemas.microsoft.com/office/2020/mipLabelMetadata"/>
 </file>